--- a/CVOE/3 Presentations/CVOE poster with data_npm edits (1)_mh.pptx
+++ b/CVOE/3 Presentations/CVOE poster with data_npm edits (1)_mh.pptx
@@ -263,9 +263,46 @@
 <file path=ppt/revisionInfo.xml><?xml version="1.0" encoding="utf-8"?>
 <p1510:revInfo xmlns:a="http://schemas.openxmlformats.org/drawingml/2006/main" xmlns:r="http://schemas.openxmlformats.org/officeDocument/2006/relationships" xmlns:p1510="http://schemas.microsoft.com/office/powerpoint/2015/10/main">
   <p1510:revLst>
-    <p1510:client id="{EFC98475-69D2-4EF2-99E6-46734E402522}" v="1025" dt="2019-04-21T22:23:33.539"/>
+    <p1510:client id="{C0F0950F-5C0D-4590-B834-E099F0368FBE}" v="32" dt="2019-04-24T00:20:45.376"/>
   </p1510:revLst>
 </p1510:revInfo>
+</file>
+
+<file path=ppt/changesInfos/changesInfo1.xml><?xml version="1.0" encoding="utf-8"?>
+<pc:chgInfo xmlns:a="http://schemas.openxmlformats.org/drawingml/2006/main" xmlns:r="http://schemas.openxmlformats.org/officeDocument/2006/relationships" xmlns:ac="http://schemas.microsoft.com/office/drawing/2013/main/command" xmlns:pc="http://schemas.microsoft.com/office/powerpoint/2013/main/command">
+  <pc:docChgLst>
+    <pc:chgData name="Nick Maxwell" userId="8614ede61265de7b" providerId="LiveId" clId="{C0F0950F-5C0D-4590-B834-E099F0368FBE}"/>
+    <pc:docChg chg="modSld">
+      <pc:chgData name="Nick Maxwell" userId="8614ede61265de7b" providerId="LiveId" clId="{C0F0950F-5C0D-4590-B834-E099F0368FBE}" dt="2019-04-24T00:20:45.376" v="31" actId="27918"/>
+      <pc:docMkLst>
+        <pc:docMk/>
+      </pc:docMkLst>
+      <pc:sldChg chg="modSp mod">
+        <pc:chgData name="Nick Maxwell" userId="8614ede61265de7b" providerId="LiveId" clId="{C0F0950F-5C0D-4590-B834-E099F0368FBE}" dt="2019-04-24T00:20:45.376" v="31" actId="27918"/>
+        <pc:sldMkLst>
+          <pc:docMk/>
+          <pc:sldMk cId="0" sldId="261"/>
+        </pc:sldMkLst>
+        <pc:spChg chg="mod">
+          <ac:chgData name="Nick Maxwell" userId="8614ede61265de7b" providerId="LiveId" clId="{C0F0950F-5C0D-4590-B834-E099F0368FBE}" dt="2019-04-24T00:03:49.564" v="4" actId="20577"/>
+          <ac:spMkLst>
+            <pc:docMk/>
+            <pc:sldMk cId="0" sldId="261"/>
+            <ac:spMk id="444" creationId="{00000000-0000-0000-0000-000000000000}"/>
+          </ac:spMkLst>
+        </pc:spChg>
+        <pc:graphicFrameChg chg="mod">
+          <ac:chgData name="Nick Maxwell" userId="8614ede61265de7b" providerId="LiveId" clId="{C0F0950F-5C0D-4590-B834-E099F0368FBE}" dt="2019-04-24T00:15:07.920" v="29" actId="20577"/>
+          <ac:graphicFrameMkLst>
+            <pc:docMk/>
+            <pc:sldMk cId="0" sldId="261"/>
+            <ac:graphicFrameMk id="56" creationId="{21B1D5FC-1EA1-4441-B2BE-0FA7EEFA0036}"/>
+          </ac:graphicFrameMkLst>
+        </pc:graphicFrameChg>
+      </pc:sldChg>
+    </pc:docChg>
+  </pc:docChgLst>
+</pc:chgInfo>
 </file>
 
 <file path=ppt/charts/chart1.xml><?xml version="1.0" encoding="utf-8"?>
@@ -2594,10 +2631,21 @@
                       </a:schemeClr>
                     </a:solidFill>
                   </a:rPr>
-                  <a:t>Mean R (</a:t>
+                  <a:t>Mean RT</a:t>
                 </a:r>
                 <a:r>
-                  <a:rPr lang="en-US" sz="2800" b="1" dirty="0" err="1">
+                  <a:rPr lang="en-US" sz="2800" b="1" baseline="0" dirty="0">
+                    <a:solidFill>
+                      <a:schemeClr val="tx1">
+                        <a:lumMod val="95000"/>
+                        <a:lumOff val="5000"/>
+                      </a:schemeClr>
+                    </a:solidFill>
+                  </a:rPr>
+                  <a:t> (</a:t>
+                </a:r>
+                <a:r>
+                  <a:rPr lang="en-US" sz="2800" b="1" baseline="0" dirty="0" err="1">
                     <a:solidFill>
                       <a:schemeClr val="tx1">
                         <a:lumMod val="95000"/>
@@ -2608,7 +2656,7 @@
                   <a:t>ms</a:t>
                 </a:r>
                 <a:r>
-                  <a:rPr lang="en-US" sz="2800" b="1" dirty="0">
+                  <a:rPr lang="en-US" sz="2800" b="1" baseline="0" dirty="0">
                     <a:solidFill>
                       <a:schemeClr val="tx1">
                         <a:lumMod val="95000"/>
@@ -2616,8 +2664,16 @@
                       </a:schemeClr>
                     </a:solidFill>
                   </a:rPr>
-                  <a:t>)T</a:t>
+                  <a:t>)</a:t>
                 </a:r>
+                <a:endParaRPr lang="en-US" sz="2800" b="1" dirty="0">
+                  <a:solidFill>
+                    <a:schemeClr val="tx1">
+                      <a:lumMod val="95000"/>
+                      <a:lumOff val="5000"/>
+                    </a:schemeClr>
+                  </a:solidFill>
+                </a:endParaRPr>
               </a:p>
             </c:rich>
           </c:tx>
@@ -18969,7 +19025,7 @@
                 <a:cs typeface="Calibri"/>
                 <a:sym typeface="Calibri"/>
               </a:rPr>
-              <a:t> &amp; Shah, 2008) is a task-switching paradigm in which a letter-number stimulus (e.g., A 08) is classified as containing either a consonant or vowel stimulus (CV) following a letter cure, or containing an odd or even stimulus (OE) following a number cue. Individuals complete a pure block of trials in which the same task is completed for all trials (all consonant/vowel or all odd/even trials) and a switch block in which the letter-number classifications change (switch trials) or are repeated (non-switch trials). The different trial types allow for the computation of global switch costs (non-switch trials vs. pure trials) and local switch costs (switch trials vs. non-switch trials). Previous work (Huff et al., 2015) has shown sensitivities to global and local switch costs as a function of age and very mild AD status (CDR 0.5), however this work has used a predictive alternating runs switch block in which CV and OE trials and presented in interleaved pairs (</a:t>
+              <a:t> &amp; Shah, 2008) is a task-switching paradigm in which a letter-number stimulus (e.g., A 08) is classified as containing either a consonant or vowel stimulus (CV) following a letter cue, or containing an odd or even stimulus (OE) following a number cue. Individuals complete a pure block of trials in which the same task is completed for all trials (all consonant/vowel or all odd/even trials) and a switch block in which the letter-number classifications change (switch trials) or are repeated (non-switch trials). The different trial types allow for the computation of global switch costs (non-switch trials vs. pure trials) and local switch costs (switch trials vs. non-switch trials). Previous work (Huff et al., 2015) has shown sensitivities to global and local switch costs as a function of age and very mild AD status (CDR 0.5), however this work has used a predictive alternating runs switch block in which CV and OE trials and presented in interleaved pairs (</a:t>
             </a:r>
             <a:r>
               <a:rPr lang="en-US" sz="3200" b="0" i="0" u="none" strike="noStrike" cap="none" dirty="0" err="1">
@@ -22259,7 +22315,7 @@
           <p:nvPr>
             <p:extLst>
               <p:ext uri="{D42A27DB-BD31-4B8C-83A1-F6EECF244321}">
-                <p14:modId xmlns:p14="http://schemas.microsoft.com/office/powerpoint/2010/main" val="3555794350"/>
+                <p14:modId xmlns:p14="http://schemas.microsoft.com/office/powerpoint/2010/main" val="1462020102"/>
               </p:ext>
             </p:extLst>
           </p:nvPr>
@@ -22287,7 +22343,7 @@
           <p:nvPr>
             <p:extLst>
               <p:ext uri="{D42A27DB-BD31-4B8C-83A1-F6EECF244321}">
-                <p14:modId xmlns:p14="http://schemas.microsoft.com/office/powerpoint/2010/main" val="4248956093"/>
+                <p14:modId xmlns:p14="http://schemas.microsoft.com/office/powerpoint/2010/main" val="1880651773"/>
               </p:ext>
             </p:extLst>
           </p:nvPr>
@@ -22315,7 +22371,7 @@
           <p:nvPr>
             <p:extLst>
               <p:ext uri="{D42A27DB-BD31-4B8C-83A1-F6EECF244321}">
-                <p14:modId xmlns:p14="http://schemas.microsoft.com/office/powerpoint/2010/main" val="2299191839"/>
+                <p14:modId xmlns:p14="http://schemas.microsoft.com/office/powerpoint/2010/main" val="4249827018"/>
               </p:ext>
             </p:extLst>
           </p:nvPr>
@@ -22343,7 +22399,7 @@
           <p:nvPr>
             <p:extLst>
               <p:ext uri="{D42A27DB-BD31-4B8C-83A1-F6EECF244321}">
-                <p14:modId xmlns:p14="http://schemas.microsoft.com/office/powerpoint/2010/main" val="1787976363"/>
+                <p14:modId xmlns:p14="http://schemas.microsoft.com/office/powerpoint/2010/main" val="597116780"/>
               </p:ext>
             </p:extLst>
           </p:nvPr>
